--- a/public/Online_Task/Stimuli/uws_instr_slides_ver2_jpg.pptx
+++ b/public/Online_Task/Stimuli/uws_instr_slides_ver2_jpg.pptx
@@ -219,7 +219,7 @@
           <a:p>
             <a:fld id="{13EAB001-375A-47A6-A0AF-DD7CD76DA757}" type="datetimeFigureOut">
               <a:rPr lang="en-GB" smtClean="0"/>
-              <a:t>17/09/2019</a:t>
+              <a:t>09/04/2022</a:t>
             </a:fld>
             <a:endParaRPr lang="en-GB"/>
           </a:p>
@@ -283,35 +283,35 @@
           <a:p>
             <a:pPr lvl="0"/>
             <a:r>
-              <a:rPr lang="en-US" smtClean="0"/>
+              <a:rPr lang="en-US"/>
               <a:t>Edit Master text styles</a:t>
             </a:r>
           </a:p>
           <a:p>
             <a:pPr lvl="1"/>
             <a:r>
-              <a:rPr lang="en-US" smtClean="0"/>
+              <a:rPr lang="en-US"/>
               <a:t>Second level</a:t>
             </a:r>
           </a:p>
           <a:p>
             <a:pPr lvl="2"/>
             <a:r>
-              <a:rPr lang="en-US" smtClean="0"/>
+              <a:rPr lang="en-US"/>
               <a:t>Third level</a:t>
             </a:r>
           </a:p>
           <a:p>
             <a:pPr lvl="3"/>
             <a:r>
-              <a:rPr lang="en-US" smtClean="0"/>
+              <a:rPr lang="en-US"/>
               <a:t>Fourth level</a:t>
             </a:r>
           </a:p>
           <a:p>
             <a:pPr lvl="4"/>
             <a:r>
-              <a:rPr lang="en-US" smtClean="0"/>
+              <a:rPr lang="en-US"/>
               <a:t>Fifth level</a:t>
             </a:r>
             <a:endParaRPr lang="en-GB"/>
@@ -693,10 +693,9 @@
           <a:lstStyle/>
           <a:p>
             <a:r>
-              <a:rPr lang="en-US" smtClean="0"/>
+              <a:rPr lang="en-US"/>
               <a:t>Click to edit Master title style</a:t>
             </a:r>
-            <a:endParaRPr lang="en-US"/>
           </a:p>
         </p:txBody>
       </p:sp>
@@ -812,10 +811,9 @@
           </a:lstStyle>
           <a:p>
             <a:r>
-              <a:rPr lang="en-US" smtClean="0"/>
+              <a:rPr lang="en-US"/>
               <a:t>Click to edit Master subtitle style</a:t>
             </a:r>
-            <a:endParaRPr lang="en-US"/>
           </a:p>
         </p:txBody>
       </p:sp>
@@ -836,7 +834,7 @@
           <a:p>
             <a:fld id="{538185A6-F7C7-2D4F-BA59-879D5B10606E}" type="datetimeFigureOut">
               <a:rPr lang="en-US" smtClean="0"/>
-              <a:t>9/17/2019</a:t>
+              <a:t>4/9/22</a:t>
             </a:fld>
             <a:endParaRPr lang="en-US"/>
           </a:p>
@@ -930,10 +928,9 @@
           <a:lstStyle/>
           <a:p>
             <a:r>
-              <a:rPr lang="en-US" smtClean="0"/>
+              <a:rPr lang="en-US"/>
               <a:t>Click to edit Master title style</a:t>
             </a:r>
-            <a:endParaRPr lang="en-US"/>
           </a:p>
         </p:txBody>
       </p:sp>
@@ -954,38 +951,37 @@
           <a:p>
             <a:pPr lvl="0"/>
             <a:r>
-              <a:rPr lang="en-US" smtClean="0"/>
+              <a:rPr lang="en-US"/>
               <a:t>Click to edit Master text styles</a:t>
             </a:r>
           </a:p>
           <a:p>
             <a:pPr lvl="1"/>
             <a:r>
-              <a:rPr lang="en-US" smtClean="0"/>
+              <a:rPr lang="en-US"/>
               <a:t>Second level</a:t>
             </a:r>
           </a:p>
           <a:p>
             <a:pPr lvl="2"/>
             <a:r>
-              <a:rPr lang="en-US" smtClean="0"/>
+              <a:rPr lang="en-US"/>
               <a:t>Third level</a:t>
             </a:r>
           </a:p>
           <a:p>
             <a:pPr lvl="3"/>
             <a:r>
-              <a:rPr lang="en-US" smtClean="0"/>
+              <a:rPr lang="en-US"/>
               <a:t>Fourth level</a:t>
             </a:r>
           </a:p>
           <a:p>
             <a:pPr lvl="4"/>
             <a:r>
-              <a:rPr lang="en-US" smtClean="0"/>
+              <a:rPr lang="en-US"/>
               <a:t>Fifth level</a:t>
             </a:r>
-            <a:endParaRPr lang="en-US"/>
           </a:p>
         </p:txBody>
       </p:sp>
@@ -1006,7 +1002,7 @@
           <a:p>
             <a:fld id="{538185A6-F7C7-2D4F-BA59-879D5B10606E}" type="datetimeFigureOut">
               <a:rPr lang="en-US" smtClean="0"/>
-              <a:t>9/17/2019</a:t>
+              <a:t>4/9/22</a:t>
             </a:fld>
             <a:endParaRPr lang="en-US"/>
           </a:p>
@@ -1105,10 +1101,9 @@
           <a:lstStyle/>
           <a:p>
             <a:r>
-              <a:rPr lang="en-US" smtClean="0"/>
+              <a:rPr lang="en-US"/>
               <a:t>Click to edit Master title style</a:t>
             </a:r>
-            <a:endParaRPr lang="en-US"/>
           </a:p>
         </p:txBody>
       </p:sp>
@@ -1134,38 +1129,37 @@
           <a:p>
             <a:pPr lvl="0"/>
             <a:r>
-              <a:rPr lang="en-US" smtClean="0"/>
+              <a:rPr lang="en-US"/>
               <a:t>Click to edit Master text styles</a:t>
             </a:r>
           </a:p>
           <a:p>
             <a:pPr lvl="1"/>
             <a:r>
-              <a:rPr lang="en-US" smtClean="0"/>
+              <a:rPr lang="en-US"/>
               <a:t>Second level</a:t>
             </a:r>
           </a:p>
           <a:p>
             <a:pPr lvl="2"/>
             <a:r>
-              <a:rPr lang="en-US" smtClean="0"/>
+              <a:rPr lang="en-US"/>
               <a:t>Third level</a:t>
             </a:r>
           </a:p>
           <a:p>
             <a:pPr lvl="3"/>
             <a:r>
-              <a:rPr lang="en-US" smtClean="0"/>
+              <a:rPr lang="en-US"/>
               <a:t>Fourth level</a:t>
             </a:r>
           </a:p>
           <a:p>
             <a:pPr lvl="4"/>
             <a:r>
-              <a:rPr lang="en-US" smtClean="0"/>
+              <a:rPr lang="en-US"/>
               <a:t>Fifth level</a:t>
             </a:r>
-            <a:endParaRPr lang="en-US"/>
           </a:p>
         </p:txBody>
       </p:sp>
@@ -1186,7 +1180,7 @@
           <a:p>
             <a:fld id="{538185A6-F7C7-2D4F-BA59-879D5B10606E}" type="datetimeFigureOut">
               <a:rPr lang="en-US" smtClean="0"/>
-              <a:t>9/17/2019</a:t>
+              <a:t>4/9/22</a:t>
             </a:fld>
             <a:endParaRPr lang="en-US"/>
           </a:p>
@@ -1280,10 +1274,9 @@
           <a:lstStyle/>
           <a:p>
             <a:r>
-              <a:rPr lang="en-US" smtClean="0"/>
+              <a:rPr lang="en-US"/>
               <a:t>Click to edit Master title style</a:t>
             </a:r>
-            <a:endParaRPr lang="en-US"/>
           </a:p>
         </p:txBody>
       </p:sp>
@@ -1304,38 +1297,37 @@
           <a:p>
             <a:pPr lvl="0"/>
             <a:r>
-              <a:rPr lang="en-US" smtClean="0"/>
+              <a:rPr lang="en-US"/>
               <a:t>Click to edit Master text styles</a:t>
             </a:r>
           </a:p>
           <a:p>
             <a:pPr lvl="1"/>
             <a:r>
-              <a:rPr lang="en-US" smtClean="0"/>
+              <a:rPr lang="en-US"/>
               <a:t>Second level</a:t>
             </a:r>
           </a:p>
           <a:p>
             <a:pPr lvl="2"/>
             <a:r>
-              <a:rPr lang="en-US" smtClean="0"/>
+              <a:rPr lang="en-US"/>
               <a:t>Third level</a:t>
             </a:r>
           </a:p>
           <a:p>
             <a:pPr lvl="3"/>
             <a:r>
-              <a:rPr lang="en-US" smtClean="0"/>
+              <a:rPr lang="en-US"/>
               <a:t>Fourth level</a:t>
             </a:r>
           </a:p>
           <a:p>
             <a:pPr lvl="4"/>
             <a:r>
-              <a:rPr lang="en-US" smtClean="0"/>
+              <a:rPr lang="en-US"/>
               <a:t>Fifth level</a:t>
             </a:r>
-            <a:endParaRPr lang="en-US"/>
           </a:p>
         </p:txBody>
       </p:sp>
@@ -1356,7 +1348,7 @@
           <a:p>
             <a:fld id="{538185A6-F7C7-2D4F-BA59-879D5B10606E}" type="datetimeFigureOut">
               <a:rPr lang="en-US" smtClean="0"/>
-              <a:t>9/17/2019</a:t>
+              <a:t>4/9/22</a:t>
             </a:fld>
             <a:endParaRPr lang="en-US"/>
           </a:p>
@@ -1459,10 +1451,9 @@
           </a:lstStyle>
           <a:p>
             <a:r>
-              <a:rPr lang="en-US" smtClean="0"/>
+              <a:rPr lang="en-US"/>
               <a:t>Click to edit Master title style</a:t>
             </a:r>
-            <a:endParaRPr lang="en-US"/>
           </a:p>
         </p:txBody>
       </p:sp>
@@ -1579,7 +1570,7 @@
           <a:p>
             <a:pPr lvl="0"/>
             <a:r>
-              <a:rPr lang="en-US" smtClean="0"/>
+              <a:rPr lang="en-US"/>
               <a:t>Click to edit Master text styles</a:t>
             </a:r>
           </a:p>
@@ -1602,7 +1593,7 @@
           <a:p>
             <a:fld id="{538185A6-F7C7-2D4F-BA59-879D5B10606E}" type="datetimeFigureOut">
               <a:rPr lang="en-US" smtClean="0"/>
-              <a:t>9/17/2019</a:t>
+              <a:t>4/9/22</a:t>
             </a:fld>
             <a:endParaRPr lang="en-US"/>
           </a:p>
@@ -1696,10 +1687,9 @@
           <a:lstStyle/>
           <a:p>
             <a:r>
-              <a:rPr lang="en-US" smtClean="0"/>
+              <a:rPr lang="en-US"/>
               <a:t>Click to edit Master title style</a:t>
             </a:r>
-            <a:endParaRPr lang="en-US"/>
           </a:p>
         </p:txBody>
       </p:sp>
@@ -1753,38 +1743,37 @@
           <a:p>
             <a:pPr lvl="0"/>
             <a:r>
-              <a:rPr lang="en-US" smtClean="0"/>
+              <a:rPr lang="en-US"/>
               <a:t>Click to edit Master text styles</a:t>
             </a:r>
           </a:p>
           <a:p>
             <a:pPr lvl="1"/>
             <a:r>
-              <a:rPr lang="en-US" smtClean="0"/>
+              <a:rPr lang="en-US"/>
               <a:t>Second level</a:t>
             </a:r>
           </a:p>
           <a:p>
             <a:pPr lvl="2"/>
             <a:r>
-              <a:rPr lang="en-US" smtClean="0"/>
+              <a:rPr lang="en-US"/>
               <a:t>Third level</a:t>
             </a:r>
           </a:p>
           <a:p>
             <a:pPr lvl="3"/>
             <a:r>
-              <a:rPr lang="en-US" smtClean="0"/>
+              <a:rPr lang="en-US"/>
               <a:t>Fourth level</a:t>
             </a:r>
           </a:p>
           <a:p>
             <a:pPr lvl="4"/>
             <a:r>
-              <a:rPr lang="en-US" smtClean="0"/>
+              <a:rPr lang="en-US"/>
               <a:t>Fifth level</a:t>
             </a:r>
-            <a:endParaRPr lang="en-US"/>
           </a:p>
         </p:txBody>
       </p:sp>
@@ -1838,38 +1827,37 @@
           <a:p>
             <a:pPr lvl="0"/>
             <a:r>
-              <a:rPr lang="en-US" smtClean="0"/>
+              <a:rPr lang="en-US"/>
               <a:t>Click to edit Master text styles</a:t>
             </a:r>
           </a:p>
           <a:p>
             <a:pPr lvl="1"/>
             <a:r>
-              <a:rPr lang="en-US" smtClean="0"/>
+              <a:rPr lang="en-US"/>
               <a:t>Second level</a:t>
             </a:r>
           </a:p>
           <a:p>
             <a:pPr lvl="2"/>
             <a:r>
-              <a:rPr lang="en-US" smtClean="0"/>
+              <a:rPr lang="en-US"/>
               <a:t>Third level</a:t>
             </a:r>
           </a:p>
           <a:p>
             <a:pPr lvl="3"/>
             <a:r>
-              <a:rPr lang="en-US" smtClean="0"/>
+              <a:rPr lang="en-US"/>
               <a:t>Fourth level</a:t>
             </a:r>
           </a:p>
           <a:p>
             <a:pPr lvl="4"/>
             <a:r>
-              <a:rPr lang="en-US" smtClean="0"/>
+              <a:rPr lang="en-US"/>
               <a:t>Fifth level</a:t>
             </a:r>
-            <a:endParaRPr lang="en-US"/>
           </a:p>
         </p:txBody>
       </p:sp>
@@ -1890,7 +1878,7 @@
           <a:p>
             <a:fld id="{538185A6-F7C7-2D4F-BA59-879D5B10606E}" type="datetimeFigureOut">
               <a:rPr lang="en-US" smtClean="0"/>
-              <a:t>9/17/2019</a:t>
+              <a:t>4/9/22</a:t>
             </a:fld>
             <a:endParaRPr lang="en-US"/>
           </a:p>
@@ -1988,10 +1976,9 @@
           </a:lstStyle>
           <a:p>
             <a:r>
-              <a:rPr lang="en-US" smtClean="0"/>
+              <a:rPr lang="en-US"/>
               <a:t>Click to edit Master title style</a:t>
             </a:r>
-            <a:endParaRPr lang="en-US"/>
           </a:p>
         </p:txBody>
       </p:sp>
@@ -2054,7 +2041,7 @@
           <a:p>
             <a:pPr lvl="0"/>
             <a:r>
-              <a:rPr lang="en-US" smtClean="0"/>
+              <a:rPr lang="en-US"/>
               <a:t>Click to edit Master text styles</a:t>
             </a:r>
           </a:p>
@@ -2110,38 +2097,37 @@
           <a:p>
             <a:pPr lvl="0"/>
             <a:r>
-              <a:rPr lang="en-US" smtClean="0"/>
+              <a:rPr lang="en-US"/>
               <a:t>Click to edit Master text styles</a:t>
             </a:r>
           </a:p>
           <a:p>
             <a:pPr lvl="1"/>
             <a:r>
-              <a:rPr lang="en-US" smtClean="0"/>
+              <a:rPr lang="en-US"/>
               <a:t>Second level</a:t>
             </a:r>
           </a:p>
           <a:p>
             <a:pPr lvl="2"/>
             <a:r>
-              <a:rPr lang="en-US" smtClean="0"/>
+              <a:rPr lang="en-US"/>
               <a:t>Third level</a:t>
             </a:r>
           </a:p>
           <a:p>
             <a:pPr lvl="3"/>
             <a:r>
-              <a:rPr lang="en-US" smtClean="0"/>
+              <a:rPr lang="en-US"/>
               <a:t>Fourth level</a:t>
             </a:r>
           </a:p>
           <a:p>
             <a:pPr lvl="4"/>
             <a:r>
-              <a:rPr lang="en-US" smtClean="0"/>
+              <a:rPr lang="en-US"/>
               <a:t>Fifth level</a:t>
             </a:r>
-            <a:endParaRPr lang="en-US"/>
           </a:p>
         </p:txBody>
       </p:sp>
@@ -2204,7 +2190,7 @@
           <a:p>
             <a:pPr lvl="0"/>
             <a:r>
-              <a:rPr lang="en-US" smtClean="0"/>
+              <a:rPr lang="en-US"/>
               <a:t>Click to edit Master text styles</a:t>
             </a:r>
           </a:p>
@@ -2260,38 +2246,37 @@
           <a:p>
             <a:pPr lvl="0"/>
             <a:r>
-              <a:rPr lang="en-US" smtClean="0"/>
+              <a:rPr lang="en-US"/>
               <a:t>Click to edit Master text styles</a:t>
             </a:r>
           </a:p>
           <a:p>
             <a:pPr lvl="1"/>
             <a:r>
-              <a:rPr lang="en-US" smtClean="0"/>
+              <a:rPr lang="en-US"/>
               <a:t>Second level</a:t>
             </a:r>
           </a:p>
           <a:p>
             <a:pPr lvl="2"/>
             <a:r>
-              <a:rPr lang="en-US" smtClean="0"/>
+              <a:rPr lang="en-US"/>
               <a:t>Third level</a:t>
             </a:r>
           </a:p>
           <a:p>
             <a:pPr lvl="3"/>
             <a:r>
-              <a:rPr lang="en-US" smtClean="0"/>
+              <a:rPr lang="en-US"/>
               <a:t>Fourth level</a:t>
             </a:r>
           </a:p>
           <a:p>
             <a:pPr lvl="4"/>
             <a:r>
-              <a:rPr lang="en-US" smtClean="0"/>
+              <a:rPr lang="en-US"/>
               <a:t>Fifth level</a:t>
             </a:r>
-            <a:endParaRPr lang="en-US"/>
           </a:p>
         </p:txBody>
       </p:sp>
@@ -2312,7 +2297,7 @@
           <a:p>
             <a:fld id="{538185A6-F7C7-2D4F-BA59-879D5B10606E}" type="datetimeFigureOut">
               <a:rPr lang="en-US" smtClean="0"/>
-              <a:t>9/17/2019</a:t>
+              <a:t>4/9/22</a:t>
             </a:fld>
             <a:endParaRPr lang="en-US"/>
           </a:p>
@@ -2406,10 +2391,9 @@
           <a:lstStyle/>
           <a:p>
             <a:r>
-              <a:rPr lang="en-US" smtClean="0"/>
+              <a:rPr lang="en-US"/>
               <a:t>Click to edit Master title style</a:t>
             </a:r>
-            <a:endParaRPr lang="en-US"/>
           </a:p>
         </p:txBody>
       </p:sp>
@@ -2430,7 +2414,7 @@
           <a:p>
             <a:fld id="{538185A6-F7C7-2D4F-BA59-879D5B10606E}" type="datetimeFigureOut">
               <a:rPr lang="en-US" smtClean="0"/>
-              <a:t>9/17/2019</a:t>
+              <a:t>4/9/22</a:t>
             </a:fld>
             <a:endParaRPr lang="en-US"/>
           </a:p>
@@ -2525,7 +2509,7 @@
           <a:p>
             <a:fld id="{538185A6-F7C7-2D4F-BA59-879D5B10606E}" type="datetimeFigureOut">
               <a:rPr lang="en-US" smtClean="0"/>
-              <a:t>9/17/2019</a:t>
+              <a:t>4/9/22</a:t>
             </a:fld>
             <a:endParaRPr lang="en-US"/>
           </a:p>
@@ -2628,10 +2612,9 @@
           </a:lstStyle>
           <a:p>
             <a:r>
-              <a:rPr lang="en-US" smtClean="0"/>
+              <a:rPr lang="en-US"/>
               <a:t>Click to edit Master title style</a:t>
             </a:r>
-            <a:endParaRPr lang="en-US"/>
           </a:p>
         </p:txBody>
       </p:sp>
@@ -2685,38 +2668,37 @@
           <a:p>
             <a:pPr lvl="0"/>
             <a:r>
-              <a:rPr lang="en-US" smtClean="0"/>
+              <a:rPr lang="en-US"/>
               <a:t>Click to edit Master text styles</a:t>
             </a:r>
           </a:p>
           <a:p>
             <a:pPr lvl="1"/>
             <a:r>
-              <a:rPr lang="en-US" smtClean="0"/>
+              <a:rPr lang="en-US"/>
               <a:t>Second level</a:t>
             </a:r>
           </a:p>
           <a:p>
             <a:pPr lvl="2"/>
             <a:r>
-              <a:rPr lang="en-US" smtClean="0"/>
+              <a:rPr lang="en-US"/>
               <a:t>Third level</a:t>
             </a:r>
           </a:p>
           <a:p>
             <a:pPr lvl="3"/>
             <a:r>
-              <a:rPr lang="en-US" smtClean="0"/>
+              <a:rPr lang="en-US"/>
               <a:t>Fourth level</a:t>
             </a:r>
           </a:p>
           <a:p>
             <a:pPr lvl="4"/>
             <a:r>
-              <a:rPr lang="en-US" smtClean="0"/>
+              <a:rPr lang="en-US"/>
               <a:t>Fifth level</a:t>
             </a:r>
-            <a:endParaRPr lang="en-US"/>
           </a:p>
         </p:txBody>
       </p:sp>
@@ -2779,7 +2761,7 @@
           <a:p>
             <a:pPr lvl="0"/>
             <a:r>
-              <a:rPr lang="en-US" smtClean="0"/>
+              <a:rPr lang="en-US"/>
               <a:t>Click to edit Master text styles</a:t>
             </a:r>
           </a:p>
@@ -2802,7 +2784,7 @@
           <a:p>
             <a:fld id="{538185A6-F7C7-2D4F-BA59-879D5B10606E}" type="datetimeFigureOut">
               <a:rPr lang="en-US" smtClean="0"/>
-              <a:t>9/17/2019</a:t>
+              <a:t>4/9/22</a:t>
             </a:fld>
             <a:endParaRPr lang="en-US"/>
           </a:p>
@@ -2905,10 +2887,9 @@
           </a:lstStyle>
           <a:p>
             <a:r>
-              <a:rPr lang="en-US" smtClean="0"/>
+              <a:rPr lang="en-US"/>
               <a:t>Click to edit Master title style</a:t>
             </a:r>
-            <a:endParaRPr lang="en-US"/>
           </a:p>
         </p:txBody>
       </p:sp>
@@ -3032,7 +3013,7 @@
           <a:p>
             <a:pPr lvl="0"/>
             <a:r>
-              <a:rPr lang="en-US" smtClean="0"/>
+              <a:rPr lang="en-US"/>
               <a:t>Click to edit Master text styles</a:t>
             </a:r>
           </a:p>
@@ -3055,7 +3036,7 @@
           <a:p>
             <a:fld id="{538185A6-F7C7-2D4F-BA59-879D5B10606E}" type="datetimeFigureOut">
               <a:rPr lang="en-US" smtClean="0"/>
-              <a:t>9/17/2019</a:t>
+              <a:t>4/9/22</a:t>
             </a:fld>
             <a:endParaRPr lang="en-US"/>
           </a:p>
@@ -3164,10 +3145,9 @@
           <a:lstStyle/>
           <a:p>
             <a:r>
-              <a:rPr lang="en-US" smtClean="0"/>
+              <a:rPr lang="en-US"/>
               <a:t>Click to edit Master title style</a:t>
             </a:r>
-            <a:endParaRPr lang="en-US"/>
           </a:p>
         </p:txBody>
       </p:sp>
@@ -3198,38 +3178,37 @@
           <a:p>
             <a:pPr lvl="0"/>
             <a:r>
-              <a:rPr lang="en-US" smtClean="0"/>
+              <a:rPr lang="en-US"/>
               <a:t>Click to edit Master text styles</a:t>
             </a:r>
           </a:p>
           <a:p>
             <a:pPr lvl="1"/>
             <a:r>
-              <a:rPr lang="en-US" smtClean="0"/>
+              <a:rPr lang="en-US"/>
               <a:t>Second level</a:t>
             </a:r>
           </a:p>
           <a:p>
             <a:pPr lvl="2"/>
             <a:r>
-              <a:rPr lang="en-US" smtClean="0"/>
+              <a:rPr lang="en-US"/>
               <a:t>Third level</a:t>
             </a:r>
           </a:p>
           <a:p>
             <a:pPr lvl="3"/>
             <a:r>
-              <a:rPr lang="en-US" smtClean="0"/>
+              <a:rPr lang="en-US"/>
               <a:t>Fourth level</a:t>
             </a:r>
           </a:p>
           <a:p>
             <a:pPr lvl="4"/>
             <a:r>
-              <a:rPr lang="en-US" smtClean="0"/>
+              <a:rPr lang="en-US"/>
               <a:t>Fifth level</a:t>
             </a:r>
-            <a:endParaRPr lang="en-US"/>
           </a:p>
         </p:txBody>
       </p:sp>
@@ -3268,7 +3247,7 @@
           <a:p>
             <a:fld id="{538185A6-F7C7-2D4F-BA59-879D5B10606E}" type="datetimeFigureOut">
               <a:rPr lang="en-US" smtClean="0"/>
-              <a:t>9/17/2019</a:t>
+              <a:t>4/9/22</a:t>
             </a:fld>
             <a:endParaRPr lang="en-US"/>
           </a:p>
@@ -3665,11 +3644,7 @@
             </a:pPr>
             <a:r>
               <a:rPr lang="en-US" sz="2400" dirty="0"/>
-              <a:t>Welcome to the experiment! Please read the instructions carefully</a:t>
-            </a:r>
-            <a:r>
-              <a:rPr lang="en-US" sz="2400" dirty="0" smtClean="0"/>
-              <a:t>.</a:t>
+              <a:t>Welcome to the experiment! Please read the instructions carefully.</a:t>
             </a:r>
           </a:p>
           <a:p>
@@ -3683,52 +3658,8 @@
               <a:buNone/>
             </a:pPr>
             <a:r>
-              <a:rPr lang="en-US" sz="2400" dirty="0" smtClean="0"/>
-              <a:t>In this experiment, you </a:t>
-            </a:r>
-            <a:r>
               <a:rPr lang="en-US" sz="2400" dirty="0"/>
-              <a:t>will perform two tasks at a video-game casino. </a:t>
-            </a:r>
-            <a:r>
-              <a:rPr lang="en-US" sz="2400" dirty="0" smtClean="0"/>
-              <a:t>The entire experiment will take somewhere between </a:t>
-            </a:r>
-            <a:r>
-              <a:rPr lang="en-US" sz="2400" dirty="0" smtClean="0"/>
-              <a:t>60 </a:t>
-            </a:r>
-            <a:r>
-              <a:rPr lang="en-US" sz="2400" dirty="0" smtClean="0"/>
-              <a:t>and </a:t>
-            </a:r>
-            <a:r>
-              <a:rPr lang="en-US" sz="2400" dirty="0" smtClean="0"/>
-              <a:t>75 </a:t>
-            </a:r>
-            <a:r>
-              <a:rPr lang="en-US" sz="2400" dirty="0" smtClean="0"/>
-              <a:t>minutes. We expect the first task will take about </a:t>
-            </a:r>
-            <a:r>
-              <a:rPr lang="en-US" sz="2400" dirty="0" smtClean="0"/>
-              <a:t>15 </a:t>
-            </a:r>
-            <a:r>
-              <a:rPr lang="en-US" sz="2400" dirty="0" smtClean="0"/>
-              <a:t>minutes, the second task will take about 35 minutes, and the two sets of instructions in total will take about </a:t>
-            </a:r>
-            <a:r>
-              <a:rPr lang="en-US" sz="2400" dirty="0" smtClean="0"/>
-              <a:t>10 </a:t>
-            </a:r>
-            <a:r>
-              <a:rPr lang="en-US" sz="2400" dirty="0" smtClean="0"/>
-              <a:t>minutes</a:t>
-            </a:r>
-            <a:r>
-              <a:rPr lang="en-US" sz="2400" dirty="0" smtClean="0"/>
-              <a:t>.</a:t>
+              <a:t>In this experiment, you will perform two tasks at a video-game casino. The entire experiment will take somewhere between 40 and 50 minutes.</a:t>
             </a:r>
           </a:p>
           <a:p>
@@ -3742,10 +3673,9 @@
               <a:buNone/>
             </a:pPr>
             <a:r>
-              <a:rPr lang="en-US" sz="2400" dirty="0" smtClean="0"/>
-              <a:t>You will receive a base-pay of £6.50 per hour with a possible bonus of 0 - £3, depending on your choices.</a:t>
-            </a:r>
-            <a:endParaRPr lang="en-US" sz="2400" dirty="0"/>
+              <a:rPr lang="en-US" sz="2400" dirty="0"/>
+              <a:t>You will receive a base-pay of £8.00 per hour with a possible bonus of 0 - £3, depending on your choices and response times.</a:t>
+            </a:r>
           </a:p>
         </p:txBody>
       </p:sp>
@@ -3759,13 +3689,6 @@
   <p:clrMapOvr>
     <a:masterClrMapping/>
   </p:clrMapOvr>
-  <p:timing>
-    <p:tnLst>
-      <p:par>
-        <p:cTn id="1" dur="indefinite" restart="never" nodeType="tmRoot"/>
-      </p:par>
-    </p:tnLst>
-  </p:timing>
 </p:sld>
 </file>
 
@@ -3809,28 +3732,27 @@
           <a:lstStyle/>
           <a:p>
             <a:r>
-              <a:rPr lang="en-GB" sz="2400" dirty="0" smtClean="0"/>
+              <a:rPr lang="en-GB" sz="2400" dirty="0"/>
               <a:t>Great. As an attention check, there will be a few games like this in the task. For these, you’ll have to report the point value of a given banknote.</a:t>
             </a:r>
           </a:p>
           <a:p>
             <a:r>
-              <a:rPr lang="en-GB" sz="2400" dirty="0" smtClean="0"/>
+              <a:rPr lang="en-GB" sz="2400" dirty="0"/>
               <a:t>Let’s now practice a few actual task games. For these, after seeing the point value of each banknote, you will be presented with a slot machine. </a:t>
             </a:r>
           </a:p>
           <a:p>
             <a:r>
-              <a:rPr lang="en-GB" sz="2400" dirty="0" smtClean="0"/>
+              <a:rPr lang="en-GB" sz="2400" dirty="0"/>
               <a:t>Press ‘1’ to play the slot machine or ‘2’ to reject it. </a:t>
             </a:r>
           </a:p>
           <a:p>
             <a:r>
-              <a:rPr lang="en-GB" sz="2400" dirty="0" smtClean="0"/>
+              <a:rPr lang="en-GB" sz="2400" dirty="0"/>
               <a:t>After this, based on your choice, you’ll get a banknote and either collect or lose points.</a:t>
             </a:r>
-            <a:endParaRPr lang="en-GB" sz="2400" dirty="0"/>
           </a:p>
         </p:txBody>
       </p:sp>
@@ -3880,10 +3802,9 @@
           <a:lstStyle/>
           <a:p>
             <a:r>
-              <a:rPr lang="en-GB" dirty="0" smtClean="0"/>
+              <a:rPr lang="en-GB" dirty="0"/>
               <a:t>Practice real choice trials</a:t>
             </a:r>
-            <a:endParaRPr lang="en-GB" dirty="0"/>
           </a:p>
         </p:txBody>
       </p:sp>
@@ -3960,35 +3881,26 @@
           <a:p>
             <a:r>
               <a:rPr lang="en-GB" dirty="0"/>
-              <a:t>Great work</a:t>
-            </a:r>
-            <a:r>
-              <a:rPr lang="en-GB" dirty="0" smtClean="0"/>
-              <a:t>!</a:t>
+              <a:t>Great work!</a:t>
             </a:r>
           </a:p>
           <a:p>
             <a:r>
               <a:rPr lang="en-GB" dirty="0"/>
-              <a:t>Y</a:t>
-            </a:r>
-            <a:r>
-              <a:rPr lang="en-GB" dirty="0" smtClean="0"/>
-              <a:t>our bonus will be affected both by the total number of points you collect as well as your performance on attention check questions. In terms of collecting banknotes, banknotes with positive point values add their points to your collection. Bank notes with negative point values take away points.</a:t>
-            </a:r>
-          </a:p>
-          <a:p>
-            <a:r>
-              <a:rPr lang="en-GB" dirty="0" smtClean="0"/>
+              <a:t>Your bonus will be affected both by the total number of points you collect as well as your performance on attention check questions. In terms of collecting banknotes, banknotes with positive point values add their points to your collection. Bank notes with negative point values take away points.</a:t>
+            </a:r>
+          </a:p>
+          <a:p>
+            <a:r>
+              <a:rPr lang="en-GB" dirty="0"/>
               <a:t>You’ll need to pass a quiz on the instructions in order to move onto the task.</a:t>
             </a:r>
           </a:p>
           <a:p>
             <a:r>
-              <a:rPr lang="en-GB" dirty="0" smtClean="0"/>
+              <a:rPr lang="en-GB" dirty="0"/>
               <a:t>Getting a question wrong will require you to re-read the instructions.</a:t>
             </a:r>
-            <a:endParaRPr lang="en-GB" dirty="0"/>
           </a:p>
         </p:txBody>
       </p:sp>
@@ -4051,16 +3963,8 @@
           </a:p>
           <a:p>
             <a:r>
-              <a:rPr lang="en-US" sz="2400" dirty="0" smtClean="0"/>
-              <a:t>The </a:t>
-            </a:r>
-            <a:r>
               <a:rPr lang="en-US" sz="2400" dirty="0"/>
-              <a:t>casino you will </a:t>
-            </a:r>
-            <a:r>
-              <a:rPr lang="en-US" sz="2400" dirty="0" smtClean="0"/>
-              <a:t>visit uses </a:t>
+              <a:t>The casino you will visit uses </a:t>
             </a:r>
             <a:r>
               <a:rPr lang="en-US" sz="2400" b="1" dirty="0"/>
@@ -4081,29 +3985,29 @@
           </a:p>
           <a:p>
             <a:r>
-              <a:rPr lang="en-US" sz="2400" dirty="0" smtClean="0"/>
+              <a:rPr lang="en-US" sz="2400" dirty="0"/>
               <a:t>The casino also has </a:t>
             </a:r>
             <a:r>
-              <a:rPr lang="en-US" sz="2400" b="1" dirty="0" smtClean="0"/>
+              <a:rPr lang="en-US" sz="2400" b="1" dirty="0"/>
               <a:t>four</a:t>
             </a:r>
             <a:r>
-              <a:rPr lang="en-US" sz="2400" dirty="0" smtClean="0"/>
+              <a:rPr lang="en-US" sz="2400" dirty="0"/>
               <a:t> types of </a:t>
             </a:r>
             <a:r>
-              <a:rPr lang="en-US" sz="2400" b="1" dirty="0" smtClean="0"/>
+              <a:rPr lang="en-US" sz="2400" b="1" dirty="0"/>
               <a:t>slot machines</a:t>
             </a:r>
             <a:r>
-              <a:rPr lang="en-US" sz="2400" dirty="0" smtClean="0"/>
+              <a:rPr lang="en-US" sz="2400" dirty="0"/>
               <a:t>.</a:t>
             </a:r>
           </a:p>
           <a:p>
             <a:r>
-              <a:rPr lang="en-US" sz="2400" dirty="0" smtClean="0"/>
+              <a:rPr lang="en-US" sz="2400" dirty="0"/>
               <a:t>Playing a slot machine provides one of the two banknotes.</a:t>
             </a:r>
           </a:p>
@@ -4111,7 +4015,7 @@
             <a:pPr marL="0" indent="0">
               <a:buNone/>
             </a:pPr>
-            <a:endParaRPr lang="en-US" sz="2400" dirty="0" smtClean="0"/>
+            <a:endParaRPr lang="en-US" sz="2400" dirty="0"/>
           </a:p>
         </p:txBody>
       </p:sp>
@@ -4164,7 +4068,7 @@
         </p:nvSpPr>
         <p:spPr>
           <a:xfrm>
-            <a:off x="7534869" y="907990"/>
+            <a:off x="7525244" y="869490"/>
             <a:ext cx="1512000" cy="828000"/>
           </a:xfrm>
           <a:prstGeom prst="rect">
@@ -4220,10 +4124,9 @@
           <a:lstStyle/>
           <a:p>
             <a:r>
-              <a:rPr lang="en-GB" dirty="0" smtClean="0"/>
+              <a:rPr lang="en-GB" dirty="0"/>
               <a:t>SCISSORS Banknote</a:t>
             </a:r>
-            <a:endParaRPr lang="en-GB" dirty="0"/>
           </a:p>
         </p:txBody>
       </p:sp>
@@ -4250,10 +4153,9 @@
           <a:lstStyle/>
           <a:p>
             <a:r>
-              <a:rPr lang="en-GB" dirty="0" smtClean="0"/>
+              <a:rPr lang="en-GB" dirty="0"/>
               <a:t>GIRL Banknote</a:t>
             </a:r>
-            <a:endParaRPr lang="en-GB" dirty="0"/>
           </a:p>
         </p:txBody>
       </p:sp>
@@ -4564,16 +4466,15 @@
           <a:lstStyle/>
           <a:p>
             <a:r>
-              <a:rPr lang="en-GB" dirty="0" smtClean="0"/>
+              <a:rPr lang="en-GB" dirty="0"/>
               <a:t>HAND </a:t>
             </a:r>
           </a:p>
           <a:p>
             <a:r>
-              <a:rPr lang="en-GB" dirty="0" smtClean="0"/>
+              <a:rPr lang="en-GB" dirty="0"/>
               <a:t>Machine</a:t>
             </a:r>
-            <a:endParaRPr lang="en-GB" dirty="0"/>
           </a:p>
         </p:txBody>
       </p:sp>
@@ -4600,16 +4501,15 @@
           <a:lstStyle/>
           <a:p>
             <a:r>
-              <a:rPr lang="en-GB" dirty="0" smtClean="0"/>
+              <a:rPr lang="en-GB" dirty="0"/>
               <a:t>BUTTERFLY </a:t>
             </a:r>
           </a:p>
           <a:p>
             <a:r>
-              <a:rPr lang="en-GB" dirty="0" smtClean="0"/>
+              <a:rPr lang="en-GB" dirty="0"/>
               <a:t>Machine</a:t>
             </a:r>
-            <a:endParaRPr lang="en-GB" dirty="0"/>
           </a:p>
         </p:txBody>
       </p:sp>
@@ -4636,16 +4536,15 @@
           <a:lstStyle/>
           <a:p>
             <a:r>
-              <a:rPr lang="en-GB" dirty="0" smtClean="0"/>
+              <a:rPr lang="en-GB" dirty="0"/>
               <a:t>ZEBRA </a:t>
             </a:r>
           </a:p>
           <a:p>
             <a:r>
-              <a:rPr lang="en-GB" dirty="0" smtClean="0"/>
+              <a:rPr lang="en-GB" dirty="0"/>
               <a:t>Machine</a:t>
             </a:r>
-            <a:endParaRPr lang="en-GB" dirty="0"/>
           </a:p>
         </p:txBody>
       </p:sp>
@@ -4672,16 +4571,15 @@
           <a:lstStyle/>
           <a:p>
             <a:r>
-              <a:rPr lang="en-GB" dirty="0" smtClean="0"/>
+              <a:rPr lang="en-GB" dirty="0"/>
               <a:t>PEPPER </a:t>
             </a:r>
           </a:p>
           <a:p>
             <a:r>
-              <a:rPr lang="en-GB" dirty="0" smtClean="0"/>
+              <a:rPr lang="en-GB" dirty="0"/>
               <a:t>Machine</a:t>
             </a:r>
-            <a:endParaRPr lang="en-GB" dirty="0"/>
           </a:p>
         </p:txBody>
       </p:sp>
@@ -4707,14 +4605,13 @@
           <a:lstStyle/>
           <a:p>
             <a:r>
-              <a:rPr lang="en-GB" b="1" dirty="0" smtClean="0"/>
+              <a:rPr lang="en-GB" b="1" dirty="0"/>
               <a:t>SLOT MACHINES</a:t>
             </a:r>
             <a:r>
-              <a:rPr lang="en-GB" dirty="0" smtClean="0"/>
+              <a:rPr lang="en-GB" dirty="0"/>
               <a:t>:</a:t>
             </a:r>
-            <a:endParaRPr lang="en-GB" dirty="0"/>
           </a:p>
         </p:txBody>
       </p:sp>
@@ -4740,14 +4637,13 @@
           <a:lstStyle/>
           <a:p>
             <a:r>
-              <a:rPr lang="en-GB" b="1" dirty="0" smtClean="0"/>
+              <a:rPr lang="en-GB" b="1" dirty="0"/>
               <a:t>BANKNOTES</a:t>
             </a:r>
             <a:r>
-              <a:rPr lang="en-GB" dirty="0" smtClean="0"/>
+              <a:rPr lang="en-GB" dirty="0"/>
               <a:t>:</a:t>
             </a:r>
-            <a:endParaRPr lang="en-GB" dirty="0"/>
           </a:p>
         </p:txBody>
       </p:sp>
@@ -4803,7 +4699,7 @@
         </p:blipFill>
         <p:spPr>
           <a:xfrm>
-            <a:off x="7636600" y="958039"/>
+            <a:off x="7626975" y="919539"/>
             <a:ext cx="684000" cy="684000"/>
           </a:xfrm>
           <a:prstGeom prst="rect">
@@ -4821,13 +4717,6 @@
   <p:clrMapOvr>
     <a:masterClrMapping/>
   </p:clrMapOvr>
-  <p:timing>
-    <p:tnLst>
-      <p:par>
-        <p:cTn id="1" dur="indefinite" restart="never" nodeType="tmRoot"/>
-      </p:par>
-    </p:tnLst>
-  </p:timing>
 </p:sld>
 </file>
 
@@ -5008,103 +4897,81 @@
           </a:lstStyle>
           <a:p>
             <a:r>
-              <a:rPr lang="en-US" sz="2400" dirty="0" smtClean="0"/>
+              <a:rPr lang="en-US" sz="2400" dirty="0"/>
               <a:t>Each slot machine can lead to either of the two banknotes, however, the </a:t>
             </a:r>
             <a:r>
-              <a:rPr lang="en-US" sz="2400" b="1" dirty="0" smtClean="0"/>
+              <a:rPr lang="en-US" sz="2400" b="1" dirty="0"/>
               <a:t>chances </a:t>
             </a:r>
             <a:r>
-              <a:rPr lang="en-US" sz="2400" dirty="0" smtClean="0"/>
+              <a:rPr lang="en-US" sz="2400" dirty="0"/>
               <a:t>that a given </a:t>
             </a:r>
             <a:r>
-              <a:rPr lang="en-US" sz="2400" b="1" dirty="0" smtClean="0"/>
+              <a:rPr lang="en-US" sz="2400" b="1" dirty="0"/>
               <a:t>slot-machine</a:t>
             </a:r>
             <a:r>
-              <a:rPr lang="en-US" sz="2400" dirty="0" smtClean="0"/>
+              <a:rPr lang="en-US" sz="2400" dirty="0"/>
               <a:t> provides a given </a:t>
             </a:r>
             <a:r>
-              <a:rPr lang="en-US" sz="2400" b="1" dirty="0" smtClean="0"/>
+              <a:rPr lang="en-US" sz="2400" b="1" dirty="0"/>
               <a:t>banknote</a:t>
             </a:r>
             <a:r>
-              <a:rPr lang="en-US" sz="2400" dirty="0" smtClean="0"/>
+              <a:rPr lang="en-US" sz="2400" dirty="0"/>
               <a:t> are different for the different slot machines.</a:t>
             </a:r>
           </a:p>
           <a:p>
             <a:r>
               <a:rPr lang="en-US" sz="2400" dirty="0"/>
-              <a:t>The purpose of this </a:t>
-            </a:r>
-            <a:r>
-              <a:rPr lang="en-US" sz="2400" dirty="0" smtClean="0"/>
-              <a:t>first task </a:t>
-            </a:r>
+              <a:t>The purpose of this first task is for you to learn the chances each slot machine provides either of the banknotes.</a:t>
+            </a:r>
+          </a:p>
+          <a:p>
             <a:r>
               <a:rPr lang="en-US" sz="2400" dirty="0"/>
-              <a:t>is for you to learn </a:t>
-            </a:r>
-            <a:r>
-              <a:rPr lang="en-US" sz="2400" dirty="0" smtClean="0"/>
-              <a:t>the chances each slot machine provides either of the banknotes.</a:t>
-            </a:r>
-            <a:endParaRPr lang="en-US" sz="2400" dirty="0"/>
-          </a:p>
-          <a:p>
-            <a:r>
-              <a:rPr lang="en-US" sz="2400" dirty="0" smtClean="0"/>
               <a:t>On the next slide we will show you a schematic that displays the </a:t>
             </a:r>
             <a:r>
-              <a:rPr lang="en-US" sz="2400" b="1" dirty="0" smtClean="0"/>
+              <a:rPr lang="en-US" sz="2400" b="1" dirty="0"/>
               <a:t>chances</a:t>
             </a:r>
             <a:r>
-              <a:rPr lang="en-US" sz="2400" dirty="0" smtClean="0"/>
+              <a:rPr lang="en-US" sz="2400" dirty="0"/>
               <a:t> of </a:t>
             </a:r>
             <a:r>
-              <a:rPr lang="en-US" sz="2400" b="1" dirty="0" smtClean="0"/>
+              <a:rPr lang="en-US" sz="2400" b="1" dirty="0"/>
               <a:t>each</a:t>
             </a:r>
             <a:r>
-              <a:rPr lang="en-US" sz="2400" dirty="0" smtClean="0"/>
+              <a:rPr lang="en-US" sz="2400" dirty="0"/>
               <a:t> </a:t>
             </a:r>
             <a:r>
-              <a:rPr lang="en-US" sz="2400" b="1" dirty="0" smtClean="0"/>
+              <a:rPr lang="en-US" sz="2400" b="1" dirty="0"/>
               <a:t>slot machine providing either banknote</a:t>
             </a:r>
             <a:r>
-              <a:rPr lang="en-US" sz="2400" dirty="0" smtClean="0"/>
+              <a:rPr lang="en-US" sz="2400" dirty="0"/>
               <a:t>. Please study this schematic.</a:t>
             </a:r>
           </a:p>
           <a:p>
             <a:r>
-              <a:rPr lang="en-US" sz="2400" dirty="0" smtClean="0"/>
+              <a:rPr lang="en-US" sz="2400" dirty="0"/>
               <a:t>You will then take a quiz in which you will be shown a given slot machine and a given banknote. You will be required to press a number key to indicate the chances that that slot machine would provide that banknote.</a:t>
             </a:r>
           </a:p>
           <a:p>
             <a:r>
-              <a:rPr lang="en-US" sz="2400" dirty="0" smtClean="0"/>
-              <a:t>We will repeat this quiz </a:t>
-            </a:r>
-            <a:r>
-              <a:rPr lang="en-US" sz="2400" dirty="0" smtClean="0"/>
-              <a:t>12 </a:t>
-            </a:r>
-            <a:r>
-              <a:rPr lang="en-US" sz="2400" dirty="0" smtClean="0"/>
-              <a:t>times so that you will be able to fully learn the chance of each slot machine providing either banknote.  Your bonus for this task will be proportional to the total number of quiz questions you answer correctly. Please try to get as many questions correct as you can.</a:t>
-            </a:r>
-            <a:endParaRPr lang="en-US" sz="2400" dirty="0"/>
+              <a:rPr lang="en-US" sz="2400" dirty="0"/>
+              <a:t>We will repeat this quiz 2 times so that you will be able to fully learn the chance of each slot machine providing either banknote.  Your bonus for this task will be proportional to the total number of quiz questions you answer correctly. Please try to get as many questions correct as you can.</a:t>
+            </a:r>
           </a:p>
         </p:txBody>
       </p:sp>
@@ -5118,13 +4985,6 @@
   <p:clrMapOvr>
     <a:masterClrMapping/>
   </p:clrMapOvr>
-  <p:timing>
-    <p:tnLst>
-      <p:par>
-        <p:cTn id="1" dur="indefinite" restart="never" nodeType="tmRoot"/>
-      </p:par>
-    </p:tnLst>
-  </p:timing>
 </p:sld>
 </file>
 
@@ -5304,7 +5164,7 @@
           <a:lstStyle/>
           <a:p>
             <a:r>
-              <a:rPr lang="en-US" dirty="0" smtClean="0"/>
+              <a:rPr lang="en-US" dirty="0"/>
               <a:t>80%</a:t>
             </a:r>
             <a:endParaRPr lang="en-GB" dirty="0"/>
@@ -5333,7 +5193,7 @@
           <a:lstStyle/>
           <a:p>
             <a:r>
-              <a:rPr lang="en-US" dirty="0" smtClean="0"/>
+              <a:rPr lang="en-US" dirty="0"/>
               <a:t>20%</a:t>
             </a:r>
             <a:endParaRPr lang="en-GB" dirty="0"/>
@@ -5647,7 +5507,7 @@
           <a:lstStyle/>
           <a:p>
             <a:r>
-              <a:rPr lang="en-US" dirty="0" smtClean="0"/>
+              <a:rPr lang="en-US" dirty="0"/>
               <a:t>60%</a:t>
             </a:r>
             <a:endParaRPr lang="en-GB" dirty="0"/>
@@ -5676,7 +5536,7 @@
           <a:lstStyle/>
           <a:p>
             <a:r>
-              <a:rPr lang="en-US" dirty="0" smtClean="0"/>
+              <a:rPr lang="en-US" dirty="0"/>
               <a:t>40%</a:t>
             </a:r>
             <a:endParaRPr lang="en-GB" dirty="0"/>
@@ -5954,7 +5814,7 @@
           <a:lstStyle/>
           <a:p>
             <a:r>
-              <a:rPr lang="en-US" dirty="0" smtClean="0"/>
+              <a:rPr lang="en-US" dirty="0"/>
               <a:t>40%</a:t>
             </a:r>
             <a:endParaRPr lang="en-GB" dirty="0"/>
@@ -5983,7 +5843,7 @@
           <a:lstStyle/>
           <a:p>
             <a:r>
-              <a:rPr lang="en-US" dirty="0" smtClean="0"/>
+              <a:rPr lang="en-US" dirty="0"/>
               <a:t>60%</a:t>
             </a:r>
             <a:endParaRPr lang="en-GB" dirty="0"/>
@@ -6267,7 +6127,7 @@
           <a:lstStyle/>
           <a:p>
             <a:r>
-              <a:rPr lang="en-US" dirty="0" smtClean="0"/>
+              <a:rPr lang="en-US" dirty="0"/>
               <a:t>20%</a:t>
             </a:r>
             <a:endParaRPr lang="en-GB" dirty="0"/>
@@ -6296,7 +6156,7 @@
           <a:lstStyle/>
           <a:p>
             <a:r>
-              <a:rPr lang="en-US" dirty="0" smtClean="0"/>
+              <a:rPr lang="en-US" dirty="0"/>
               <a:t>80%</a:t>
             </a:r>
             <a:endParaRPr lang="en-GB" dirty="0"/>
@@ -6527,16 +6387,15 @@
           <a:lstStyle/>
           <a:p>
             <a:r>
-              <a:rPr lang="en-US" dirty="0" smtClean="0"/>
+              <a:rPr lang="en-US" dirty="0"/>
               <a:t>This schematic shows the chances that each slot machine provides either banknote.</a:t>
             </a:r>
           </a:p>
           <a:p>
             <a:r>
-              <a:rPr lang="en-US" dirty="0" smtClean="0"/>
+              <a:rPr lang="en-US" dirty="0"/>
               <a:t>Please study it. When you are ready press Next to take a quiz.</a:t>
             </a:r>
-            <a:endParaRPr lang="en-US" dirty="0"/>
           </a:p>
         </p:txBody>
       </p:sp>
@@ -6597,36 +6456,19 @@
               <a:rPr lang="en-GB" sz="2200" dirty="0"/>
               <a:t>Great work! We’ll now continue to the second task. </a:t>
             </a:r>
-            <a:endParaRPr lang="en-GB" sz="2200" dirty="0" smtClean="0"/>
           </a:p>
           <a:p>
             <a:pPr algn="just"/>
             <a:r>
               <a:rPr lang="en-GB" sz="2200" dirty="0"/>
-              <a:t>In this task you’ll play </a:t>
-            </a:r>
-            <a:r>
-              <a:rPr lang="en-GB" sz="2200" dirty="0" smtClean="0"/>
-              <a:t>a game at the casino.</a:t>
+              <a:t>In this task you’ll play a game at the casino.</a:t>
             </a:r>
           </a:p>
           <a:p>
             <a:pPr algn="just"/>
             <a:r>
-              <a:rPr lang="en-GB" sz="2200" dirty="0" smtClean="0"/>
-              <a:t>This </a:t>
-            </a:r>
-            <a:r>
               <a:rPr lang="en-GB" sz="2200" dirty="0"/>
-              <a:t>game will use the same two banknotes </a:t>
-            </a:r>
-            <a:r>
-              <a:rPr lang="en-GB" sz="2200" dirty="0" smtClean="0"/>
-              <a:t>you just saw </a:t>
-            </a:r>
-            <a:r>
-              <a:rPr lang="en-GB" sz="2200" dirty="0"/>
-              <a:t>before but </a:t>
+              <a:t>This game will use the same two banknotes you just saw before but </a:t>
             </a:r>
             <a:r>
               <a:rPr lang="en-GB" sz="2200" b="1" dirty="0"/>
@@ -6634,24 +6476,20 @@
             </a:r>
             <a:r>
               <a:rPr lang="en-GB" sz="2200" dirty="0"/>
-              <a:t>(shown on the right</a:t>
-            </a:r>
-            <a:r>
-              <a:rPr lang="en-GB" sz="2200" dirty="0" smtClean="0"/>
-              <a:t>).</a:t>
+              <a:t>(shown on the right).</a:t>
             </a:r>
           </a:p>
           <a:p>
             <a:pPr algn="just"/>
             <a:r>
-              <a:rPr lang="en-GB" sz="2200" dirty="0" smtClean="0"/>
+              <a:rPr lang="en-GB" sz="2200" dirty="0"/>
               <a:t>It will use the same four slot machines as the last task.</a:t>
             </a:r>
           </a:p>
           <a:p>
             <a:pPr algn="just"/>
             <a:r>
-              <a:rPr lang="en-GB" sz="2200" dirty="0" smtClean="0"/>
+              <a:rPr lang="en-GB" sz="2200" dirty="0"/>
               <a:t>On each decision, you’ll collect one of these banknotes.</a:t>
             </a:r>
           </a:p>
@@ -6762,18 +6600,13 @@
           <a:lstStyle/>
           <a:p>
             <a:r>
-              <a:rPr lang="en-GB" dirty="0" smtClean="0">
+              <a:rPr lang="en-GB" dirty="0">
                 <a:solidFill>
                   <a:srgbClr val="FFFF00"/>
                 </a:solidFill>
               </a:rPr>
               <a:t>XX</a:t>
             </a:r>
-            <a:endParaRPr lang="en-GB" dirty="0">
-              <a:solidFill>
-                <a:srgbClr val="FFFF00"/>
-              </a:solidFill>
-            </a:endParaRPr>
           </a:p>
         </p:txBody>
       </p:sp>
@@ -6800,18 +6633,13 @@
           <a:lstStyle/>
           <a:p>
             <a:r>
-              <a:rPr lang="en-GB" dirty="0" smtClean="0">
+              <a:rPr lang="en-GB" dirty="0">
                 <a:solidFill>
                   <a:srgbClr val="FFFF00"/>
                 </a:solidFill>
               </a:rPr>
               <a:t>XX</a:t>
             </a:r>
-            <a:endParaRPr lang="en-GB" dirty="0">
-              <a:solidFill>
-                <a:srgbClr val="FFFF00"/>
-              </a:solidFill>
-            </a:endParaRPr>
           </a:p>
         </p:txBody>
       </p:sp>
@@ -6838,10 +6666,9 @@
           <a:lstStyle/>
           <a:p>
             <a:r>
-              <a:rPr lang="en-GB" dirty="0" smtClean="0"/>
+              <a:rPr lang="en-GB" dirty="0"/>
               <a:t>SCISSORS Banknote</a:t>
             </a:r>
-            <a:endParaRPr lang="en-GB" dirty="0"/>
           </a:p>
         </p:txBody>
       </p:sp>
@@ -6868,10 +6695,9 @@
           <a:lstStyle/>
           <a:p>
             <a:r>
-              <a:rPr lang="en-GB" dirty="0" smtClean="0"/>
+              <a:rPr lang="en-GB" dirty="0"/>
               <a:t>GIRL Banknote</a:t>
             </a:r>
-            <a:endParaRPr lang="en-GB" dirty="0"/>
           </a:p>
         </p:txBody>
       </p:sp>
@@ -7029,18 +6855,13 @@
           <a:lstStyle/>
           <a:p>
             <a:r>
-              <a:rPr lang="en-GB" dirty="0" smtClean="0">
+              <a:rPr lang="en-GB" dirty="0">
                 <a:solidFill>
                   <a:srgbClr val="FFFF00"/>
                 </a:solidFill>
               </a:rPr>
               <a:t>XX</a:t>
             </a:r>
-            <a:endParaRPr lang="en-GB" dirty="0">
-              <a:solidFill>
-                <a:srgbClr val="FFFF00"/>
-              </a:solidFill>
-            </a:endParaRPr>
           </a:p>
         </p:txBody>
       </p:sp>
@@ -7067,10 +6888,9 @@
           <a:lstStyle/>
           <a:p>
             <a:r>
-              <a:rPr lang="en-GB" dirty="0" smtClean="0"/>
+              <a:rPr lang="en-GB" dirty="0"/>
               <a:t>HOUSE Banknote</a:t>
             </a:r>
-            <a:endParaRPr lang="en-GB" dirty="0"/>
           </a:p>
         </p:txBody>
       </p:sp>
@@ -7097,7 +6917,7 @@
           <a:lstStyle/>
           <a:p>
             <a:r>
-              <a:rPr lang="en-GB" dirty="0" smtClean="0"/>
+              <a:rPr lang="en-GB" dirty="0"/>
               <a:t>Banknotes in this task:</a:t>
             </a:r>
           </a:p>
@@ -7156,62 +6976,50 @@
           <a:lstStyle/>
           <a:p>
             <a:r>
-              <a:rPr lang="en-US" sz="2400" dirty="0" smtClean="0"/>
+              <a:rPr lang="en-US" sz="2400" dirty="0"/>
               <a:t>In this task each banknote will have either positive or negative points attached to it (displayed in place of the XX).</a:t>
             </a:r>
           </a:p>
           <a:p>
             <a:r>
-              <a:rPr lang="en-US" sz="2400" dirty="0" smtClean="0"/>
-              <a:t>Banknotes </a:t>
-            </a:r>
-            <a:r>
               <a:rPr lang="en-US" sz="2400" dirty="0"/>
-              <a:t>with </a:t>
+              <a:t>Banknotes with </a:t>
             </a:r>
             <a:r>
               <a:rPr lang="en-US" sz="2400" b="1" dirty="0"/>
               <a:t>positive point </a:t>
             </a:r>
             <a:r>
-              <a:rPr lang="en-US" sz="2400" dirty="0" smtClean="0"/>
+              <a:rPr lang="en-US" sz="2400" dirty="0"/>
               <a:t>values will cause you to gain points. Banknotes with </a:t>
             </a:r>
             <a:r>
-              <a:rPr lang="en-US" sz="2400" b="1" dirty="0" smtClean="0"/>
+              <a:rPr lang="en-US" sz="2400" b="1" dirty="0"/>
               <a:t>negative point </a:t>
             </a:r>
             <a:r>
-              <a:rPr lang="en-US" sz="2400" dirty="0" smtClean="0"/>
+              <a:rPr lang="en-US" sz="2400" dirty="0"/>
               <a:t>values will cause you to lose points.</a:t>
             </a:r>
           </a:p>
           <a:p>
             <a:r>
-              <a:rPr lang="en-US" sz="2400" dirty="0" smtClean="0"/>
+              <a:rPr lang="en-US" sz="2400" dirty="0"/>
               <a:t>At the end of the task, the computer will randomly pick </a:t>
             </a:r>
             <a:r>
-              <a:rPr lang="en-US" sz="2400" b="1" dirty="0" smtClean="0"/>
+              <a:rPr lang="en-US" sz="2400" b="1" dirty="0"/>
               <a:t>four</a:t>
             </a:r>
             <a:r>
-              <a:rPr lang="en-US" sz="2400" dirty="0" smtClean="0"/>
+              <a:rPr lang="en-US" sz="2400" dirty="0"/>
               <a:t> decisions that you made. </a:t>
             </a:r>
           </a:p>
           <a:p>
             <a:r>
-              <a:rPr lang="en-US" sz="2400" dirty="0" smtClean="0"/>
-              <a:t>Your bonus will be proportional to the average number of points received on these decisions.  </a:t>
-            </a:r>
-            <a:r>
               <a:rPr lang="en-US" sz="2400" dirty="0"/>
-              <a:t>T</a:t>
-            </a:r>
-            <a:r>
-              <a:rPr lang="en-US" sz="2400" dirty="0" smtClean="0"/>
-              <a:t>his average can be either positive or negative. The more negative this average is, the smaller your bonus payment will be. The more positive this average is, the larger your bonus payment will be.</a:t>
+              <a:t>Your bonus will be proportional to the average number of points received on these decisions.  This average can be either positive or negative. The more negative this average is, the smaller your bonus payment will be. The more positive this average is, the larger your bonus payment will be.</a:t>
             </a:r>
           </a:p>
           <a:p>
@@ -7327,18 +7135,13 @@
           <a:lstStyle/>
           <a:p>
             <a:r>
-              <a:rPr lang="en-GB" dirty="0" smtClean="0">
+              <a:rPr lang="en-GB" dirty="0">
                 <a:solidFill>
                   <a:srgbClr val="FFFF00"/>
                 </a:solidFill>
               </a:rPr>
               <a:t>XX</a:t>
             </a:r>
-            <a:endParaRPr lang="en-GB" dirty="0">
-              <a:solidFill>
-                <a:srgbClr val="FFFF00"/>
-              </a:solidFill>
-            </a:endParaRPr>
           </a:p>
         </p:txBody>
       </p:sp>
@@ -7365,18 +7168,13 @@
           <a:lstStyle/>
           <a:p>
             <a:r>
-              <a:rPr lang="en-GB" dirty="0" smtClean="0">
+              <a:rPr lang="en-GB" dirty="0">
                 <a:solidFill>
                   <a:srgbClr val="FFFF00"/>
                 </a:solidFill>
               </a:rPr>
               <a:t>XX</a:t>
             </a:r>
-            <a:endParaRPr lang="en-GB" dirty="0">
-              <a:solidFill>
-                <a:srgbClr val="FFFF00"/>
-              </a:solidFill>
-            </a:endParaRPr>
           </a:p>
         </p:txBody>
       </p:sp>
@@ -7403,10 +7201,9 @@
           <a:lstStyle/>
           <a:p>
             <a:r>
-              <a:rPr lang="en-GB" dirty="0" smtClean="0"/>
+              <a:rPr lang="en-GB" dirty="0"/>
               <a:t>SCISSORS Banknote</a:t>
             </a:r>
-            <a:endParaRPr lang="en-GB" dirty="0"/>
           </a:p>
         </p:txBody>
       </p:sp>
@@ -7433,10 +7230,9 @@
           <a:lstStyle/>
           <a:p>
             <a:r>
-              <a:rPr lang="en-GB" dirty="0" smtClean="0"/>
+              <a:rPr lang="en-GB" dirty="0"/>
               <a:t>GIRL Banknote</a:t>
             </a:r>
-            <a:endParaRPr lang="en-GB" dirty="0"/>
           </a:p>
         </p:txBody>
       </p:sp>
@@ -7594,18 +7390,13 @@
           <a:lstStyle/>
           <a:p>
             <a:r>
-              <a:rPr lang="en-GB" dirty="0" smtClean="0">
+              <a:rPr lang="en-GB" dirty="0">
                 <a:solidFill>
                   <a:srgbClr val="FFFF00"/>
                 </a:solidFill>
               </a:rPr>
               <a:t>XX</a:t>
             </a:r>
-            <a:endParaRPr lang="en-GB" dirty="0">
-              <a:solidFill>
-                <a:srgbClr val="FFFF00"/>
-              </a:solidFill>
-            </a:endParaRPr>
           </a:p>
         </p:txBody>
       </p:sp>
@@ -7632,10 +7423,9 @@
           <a:lstStyle/>
           <a:p>
             <a:r>
-              <a:rPr lang="en-GB" dirty="0" smtClean="0"/>
+              <a:rPr lang="en-GB" dirty="0"/>
               <a:t>HOUSE Banknote</a:t>
             </a:r>
-            <a:endParaRPr lang="en-GB" dirty="0"/>
           </a:p>
         </p:txBody>
       </p:sp>
@@ -7649,13 +7439,6 @@
   <p:clrMapOvr>
     <a:masterClrMapping/>
   </p:clrMapOvr>
-  <p:timing>
-    <p:tnLst>
-      <p:par>
-        <p:cTn id="1" dur="indefinite" restart="never" nodeType="tmRoot"/>
-      </p:par>
-    </p:tnLst>
-  </p:timing>
 </p:sld>
 </file>
 
@@ -7700,50 +7483,22 @@
           <a:p>
             <a:pPr algn="just"/>
             <a:r>
-              <a:rPr lang="en-GB" sz="2000" dirty="0" smtClean="0"/>
+              <a:rPr lang="en-GB" sz="2000" dirty="0"/>
               <a:t>We’ll now present the structure of each game.</a:t>
             </a:r>
           </a:p>
           <a:p>
             <a:pPr algn="just"/>
             <a:r>
-              <a:rPr lang="en-GB" sz="2000" dirty="0" smtClean="0"/>
-              <a:t>On each game in this task you </a:t>
-            </a:r>
-            <a:r>
               <a:rPr lang="en-GB" sz="2000" dirty="0"/>
-              <a:t>will be presented with one of the slot machines that </a:t>
-            </a:r>
-            <a:r>
-              <a:rPr lang="en-GB" sz="2000" dirty="0" smtClean="0"/>
-              <a:t>were </a:t>
-            </a:r>
+              <a:t>On each game in this task you will be presented with one of the slot machines that were in the previous task.</a:t>
+            </a:r>
+          </a:p>
+          <a:p>
+            <a:pPr algn="just"/>
             <a:r>
               <a:rPr lang="en-GB" sz="2000" dirty="0"/>
-              <a:t>in the previous </a:t>
-            </a:r>
-            <a:r>
-              <a:rPr lang="en-GB" sz="2000" dirty="0" smtClean="0"/>
-              <a:t>task.</a:t>
-            </a:r>
-          </a:p>
-          <a:p>
-            <a:pPr algn="just"/>
-            <a:r>
-              <a:rPr lang="en-GB" sz="2000" dirty="0" smtClean="0"/>
-              <a:t>Now, you </a:t>
-            </a:r>
-            <a:r>
-              <a:rPr lang="en-GB" sz="2000" dirty="0"/>
-              <a:t>can choose </a:t>
-            </a:r>
-            <a:r>
-              <a:rPr lang="en-GB" sz="2000" dirty="0" smtClean="0"/>
-              <a:t>either </a:t>
-            </a:r>
-            <a:r>
-              <a:rPr lang="en-GB" sz="2000" dirty="0"/>
-              <a:t>to </a:t>
+              <a:t>Now, you can choose either to </a:t>
             </a:r>
             <a:r>
               <a:rPr lang="en-GB" sz="2000" b="1" dirty="0"/>
@@ -7759,56 +7514,40 @@
             </a:r>
             <a:r>
               <a:rPr lang="en-GB" sz="2000" dirty="0"/>
-              <a:t> </a:t>
-            </a:r>
-            <a:r>
-              <a:rPr lang="en-GB" sz="2000" dirty="0" smtClean="0"/>
-              <a:t>it.</a:t>
+              <a:t> it.</a:t>
             </a:r>
           </a:p>
           <a:p>
             <a:pPr algn="just"/>
             <a:r>
               <a:rPr lang="en-GB" sz="2000" b="1" dirty="0"/>
-              <a:t>P</a:t>
-            </a:r>
-            <a:r>
-              <a:rPr lang="en-GB" sz="2000" b="1" dirty="0" smtClean="0"/>
-              <a:t>laying</a:t>
-            </a:r>
-            <a:r>
-              <a:rPr lang="en-GB" sz="2000" dirty="0" smtClean="0"/>
-              <a:t> (key 1) a </a:t>
+              <a:t>Playing</a:t>
             </a:r>
             <a:r>
               <a:rPr lang="en-GB" sz="2000" dirty="0"/>
-              <a:t>slot </a:t>
-            </a:r>
-            <a:r>
-              <a:rPr lang="en-GB" sz="2000" dirty="0" smtClean="0"/>
-              <a:t>machine will produce either the </a:t>
-            </a:r>
-            <a:r>
-              <a:rPr lang="en-GB" sz="2000" b="1" dirty="0" smtClean="0"/>
+              <a:t> (key 1) a slot machine will produce either the </a:t>
+            </a:r>
+            <a:r>
+              <a:rPr lang="en-GB" sz="2000" b="1" dirty="0"/>
               <a:t>SCISSORS</a:t>
             </a:r>
             <a:r>
-              <a:rPr lang="en-GB" sz="2000" dirty="0" smtClean="0"/>
+              <a:rPr lang="en-GB" sz="2000" dirty="0"/>
               <a:t> or </a:t>
             </a:r>
             <a:r>
-              <a:rPr lang="en-GB" sz="2000" b="1" dirty="0" smtClean="0"/>
+              <a:rPr lang="en-GB" sz="2000" b="1" dirty="0"/>
               <a:t>GIRL</a:t>
             </a:r>
             <a:r>
-              <a:rPr lang="en-GB" sz="2000" dirty="0" smtClean="0"/>
+              <a:rPr lang="en-GB" sz="2000" dirty="0"/>
               <a:t> banknote.</a:t>
             </a:r>
           </a:p>
           <a:p>
             <a:pPr algn="just"/>
             <a:r>
-              <a:rPr lang="en-GB" sz="2000" dirty="0" smtClean="0"/>
+              <a:rPr lang="en-GB" sz="2000" dirty="0"/>
               <a:t>The </a:t>
             </a:r>
             <a:r>
@@ -7817,64 +7556,39 @@
             </a:r>
             <a:r>
               <a:rPr lang="en-GB" sz="2000" dirty="0"/>
-              <a:t> of </a:t>
-            </a:r>
-            <a:r>
-              <a:rPr lang="en-GB" sz="2000" dirty="0" smtClean="0"/>
-              <a:t>a given </a:t>
+              <a:t> of a given slot machine producing either of these two banknotes will be the </a:t>
+            </a:r>
+            <a:r>
+              <a:rPr lang="en-GB" sz="2000" b="1" dirty="0"/>
+              <a:t>same as what you were just tested on</a:t>
             </a:r>
             <a:r>
               <a:rPr lang="en-GB" sz="2000" dirty="0"/>
-              <a:t>slot machine producing either of these two banknotes will be the </a:t>
+              <a:t>. These chances will </a:t>
             </a:r>
             <a:r>
               <a:rPr lang="en-GB" sz="2000" b="1" dirty="0"/>
-              <a:t>same as </a:t>
-            </a:r>
-            <a:r>
-              <a:rPr lang="en-GB" sz="2000" b="1" dirty="0" smtClean="0"/>
-              <a:t>what you were just tested on</a:t>
-            </a:r>
-            <a:r>
-              <a:rPr lang="en-GB" sz="2000" dirty="0" smtClean="0"/>
-              <a:t>. These chances will </a:t>
-            </a:r>
-            <a:r>
-              <a:rPr lang="en-GB" sz="2000" b="1" dirty="0" smtClean="0"/>
               <a:t>not change </a:t>
             </a:r>
             <a:r>
-              <a:rPr lang="en-GB" sz="2000" dirty="0" smtClean="0"/>
+              <a:rPr lang="en-GB" sz="2000" dirty="0"/>
               <a:t>over the course of the task.</a:t>
             </a:r>
           </a:p>
           <a:p>
             <a:pPr algn="just"/>
             <a:r>
-              <a:rPr lang="en-GB" sz="2000" dirty="0" smtClean="0"/>
-              <a:t>You can also reject </a:t>
-            </a:r>
-            <a:r>
               <a:rPr lang="en-GB" sz="2000" dirty="0"/>
-              <a:t>a slot </a:t>
-            </a:r>
-            <a:r>
-              <a:rPr lang="en-GB" sz="2000" dirty="0" smtClean="0"/>
-              <a:t>machine (key 2). </a:t>
+              <a:t>You can also reject a slot machine (key 2). If you reject a slot machine, you will always get the </a:t>
+            </a:r>
+            <a:r>
+              <a:rPr lang="en-GB" sz="2000" b="1" dirty="0"/>
+              <a:t>HOUSE</a:t>
             </a:r>
             <a:r>
               <a:rPr lang="en-GB" sz="2000" dirty="0"/>
-              <a:t>If you reject a slot machine, you will always get the </a:t>
-            </a:r>
-            <a:r>
-              <a:rPr lang="en-GB" sz="2000" b="1" dirty="0" smtClean="0"/>
-              <a:t>HOUSE</a:t>
-            </a:r>
-            <a:r>
-              <a:rPr lang="en-GB" sz="2000" dirty="0" smtClean="0"/>
               <a:t> banknote.</a:t>
             </a:r>
-            <a:endParaRPr lang="en-GB" sz="2000" dirty="0"/>
           </a:p>
         </p:txBody>
       </p:sp>
@@ -7972,18 +7686,13 @@
           <a:lstStyle/>
           <a:p>
             <a:r>
-              <a:rPr lang="en-GB" dirty="0" smtClean="0">
+              <a:rPr lang="en-GB" dirty="0">
                 <a:solidFill>
                   <a:srgbClr val="FFFF00"/>
                 </a:solidFill>
               </a:rPr>
               <a:t>XX</a:t>
             </a:r>
-            <a:endParaRPr lang="en-GB" dirty="0">
-              <a:solidFill>
-                <a:srgbClr val="FFFF00"/>
-              </a:solidFill>
-            </a:endParaRPr>
           </a:p>
         </p:txBody>
       </p:sp>
@@ -8009,18 +7718,17 @@
           <a:lstStyle/>
           <a:p>
             <a:r>
-              <a:rPr lang="en-GB" dirty="0" smtClean="0"/>
+              <a:rPr lang="en-GB" dirty="0"/>
               <a:t>If you </a:t>
             </a:r>
             <a:r>
-              <a:rPr lang="en-GB" b="1" dirty="0" smtClean="0"/>
+              <a:rPr lang="en-GB" b="1" dirty="0"/>
               <a:t>reject</a:t>
             </a:r>
             <a:r>
-              <a:rPr lang="en-GB" dirty="0" smtClean="0"/>
+              <a:rPr lang="en-GB" dirty="0"/>
               <a:t>:</a:t>
             </a:r>
-            <a:endParaRPr lang="en-GB" dirty="0"/>
           </a:p>
         </p:txBody>
       </p:sp>
@@ -8129,18 +7837,13 @@
           <a:lstStyle/>
           <a:p>
             <a:r>
-              <a:rPr lang="en-GB" dirty="0" smtClean="0">
+              <a:rPr lang="en-GB" dirty="0">
                 <a:solidFill>
                   <a:srgbClr val="FFFF00"/>
                 </a:solidFill>
               </a:rPr>
               <a:t>XX</a:t>
             </a:r>
-            <a:endParaRPr lang="en-GB" dirty="0">
-              <a:solidFill>
-                <a:srgbClr val="FFFF00"/>
-              </a:solidFill>
-            </a:endParaRPr>
           </a:p>
         </p:txBody>
       </p:sp>
@@ -8167,18 +7870,13 @@
           <a:lstStyle/>
           <a:p>
             <a:r>
-              <a:rPr lang="en-GB" dirty="0" smtClean="0">
+              <a:rPr lang="en-GB" dirty="0">
                 <a:solidFill>
                   <a:srgbClr val="FFFF00"/>
                 </a:solidFill>
               </a:rPr>
               <a:t>XX</a:t>
             </a:r>
-            <a:endParaRPr lang="en-GB" dirty="0">
-              <a:solidFill>
-                <a:srgbClr val="FFFF00"/>
-              </a:solidFill>
-            </a:endParaRPr>
           </a:p>
         </p:txBody>
       </p:sp>
@@ -8205,10 +7903,9 @@
           <a:lstStyle/>
           <a:p>
             <a:r>
-              <a:rPr lang="en-GB" dirty="0" smtClean="0"/>
+              <a:rPr lang="en-GB" dirty="0"/>
               <a:t>SCISSORS Banknote</a:t>
             </a:r>
-            <a:endParaRPr lang="en-GB" dirty="0"/>
           </a:p>
         </p:txBody>
       </p:sp>
@@ -8235,10 +7932,9 @@
           <a:lstStyle/>
           <a:p>
             <a:r>
-              <a:rPr lang="en-GB" dirty="0" smtClean="0"/>
+              <a:rPr lang="en-GB" dirty="0"/>
               <a:t>GIRL Banknote</a:t>
             </a:r>
-            <a:endParaRPr lang="en-GB" dirty="0"/>
           </a:p>
         </p:txBody>
       </p:sp>
@@ -8324,26 +8020,17 @@
           <a:lstStyle/>
           <a:p>
             <a:r>
-              <a:rPr lang="en-GB" dirty="0" smtClean="0"/>
-              <a:t>If </a:t>
-            </a:r>
-            <a:r>
               <a:rPr lang="en-GB" dirty="0"/>
-              <a:t>you</a:t>
-            </a:r>
-            <a:r>
-              <a:rPr lang="en-GB" dirty="0" smtClean="0"/>
-              <a:t> </a:t>
-            </a:r>
-            <a:r>
-              <a:rPr lang="en-GB" b="1" dirty="0" smtClean="0"/>
+              <a:t>If you </a:t>
+            </a:r>
+            <a:r>
+              <a:rPr lang="en-GB" b="1" dirty="0"/>
               <a:t>play</a:t>
             </a:r>
             <a:r>
-              <a:rPr lang="en-GB" dirty="0" smtClean="0"/>
+              <a:rPr lang="en-GB" dirty="0"/>
               <a:t>:</a:t>
             </a:r>
-            <a:endParaRPr lang="en-GB" dirty="0"/>
           </a:p>
         </p:txBody>
       </p:sp>
@@ -8369,10 +8056,9 @@
           <a:lstStyle/>
           <a:p>
             <a:r>
-              <a:rPr lang="en-GB" dirty="0" smtClean="0"/>
+              <a:rPr lang="en-GB" dirty="0"/>
               <a:t>OR</a:t>
             </a:r>
-            <a:endParaRPr lang="en-GB" dirty="0"/>
           </a:p>
         </p:txBody>
       </p:sp>
@@ -8398,10 +8084,9 @@
           <a:lstStyle/>
           <a:p>
             <a:r>
-              <a:rPr lang="en-GB" b="1" dirty="0" smtClean="0"/>
+              <a:rPr lang="en-GB" b="1" dirty="0"/>
               <a:t>For each slot machine:</a:t>
             </a:r>
-            <a:endParaRPr lang="en-GB" b="1" dirty="0"/>
           </a:p>
         </p:txBody>
       </p:sp>
@@ -8427,18 +8112,17 @@
           <a:lstStyle/>
           <a:p>
             <a:r>
-              <a:rPr lang="en-GB" dirty="0" smtClean="0"/>
+              <a:rPr lang="en-GB" dirty="0"/>
               <a:t>Chances of GIRL or SCISSORS depend on </a:t>
             </a:r>
             <a:r>
-              <a:rPr lang="en-GB" b="1" dirty="0" smtClean="0"/>
+              <a:rPr lang="en-GB" b="1" dirty="0"/>
               <a:t>which</a:t>
             </a:r>
             <a:r>
-              <a:rPr lang="en-GB" dirty="0" smtClean="0"/>
+              <a:rPr lang="en-GB" dirty="0"/>
               <a:t> slot machine is played.</a:t>
             </a:r>
-            <a:endParaRPr lang="en-GB" dirty="0"/>
           </a:p>
         </p:txBody>
       </p:sp>
@@ -8464,10 +8148,9 @@
           <a:lstStyle/>
           <a:p>
             <a:r>
-              <a:rPr lang="en-GB" dirty="0" smtClean="0"/>
+              <a:rPr lang="en-GB" dirty="0"/>
               <a:t>Rejecting always leads to the HOUSE banknote.</a:t>
             </a:r>
-            <a:endParaRPr lang="en-GB" dirty="0"/>
           </a:p>
         </p:txBody>
       </p:sp>
@@ -8494,10 +8177,9 @@
           <a:lstStyle/>
           <a:p>
             <a:r>
-              <a:rPr lang="en-GB" dirty="0" smtClean="0"/>
+              <a:rPr lang="en-GB" dirty="0"/>
               <a:t>HOUSE Banknote</a:t>
             </a:r>
-            <a:endParaRPr lang="en-GB" dirty="0"/>
           </a:p>
         </p:txBody>
       </p:sp>
@@ -8555,55 +8237,19 @@
           <a:p>
             <a:r>
               <a:rPr lang="en-GB" sz="2000" dirty="0"/>
-              <a:t>Before each decision to play or reject a slot machine, you will be shown the point value of each banknote for that </a:t>
-            </a:r>
-            <a:r>
-              <a:rPr lang="en-GB" sz="2000" dirty="0" smtClean="0"/>
-              <a:t>game</a:t>
-            </a:r>
+              <a:t>Before each decision to play or reject a slot machine, you will be shown the point value of each banknote for that game (example on the right).</a:t>
+            </a:r>
+          </a:p>
+          <a:p>
             <a:r>
               <a:rPr lang="en-GB" sz="2000" dirty="0"/>
-              <a:t> </a:t>
-            </a:r>
-            <a:r>
-              <a:rPr lang="en-GB" sz="2000" dirty="0" smtClean="0"/>
-              <a:t>(example on the right).</a:t>
-            </a:r>
-          </a:p>
-          <a:p>
-            <a:r>
-              <a:rPr lang="en-GB" sz="2000" dirty="0" smtClean="0"/>
-              <a:t>You </a:t>
-            </a:r>
+              <a:t>You must pay attention to these screens in order to make choices that lead you to maximize collection of positive points and minimize collection of negative points.</a:t>
+            </a:r>
+          </a:p>
+          <a:p>
             <a:r>
               <a:rPr lang="en-GB" sz="2000" dirty="0"/>
-              <a:t>must pay attention to </a:t>
-            </a:r>
-            <a:r>
-              <a:rPr lang="en-GB" sz="2000" dirty="0" smtClean="0"/>
-              <a:t>these screens </a:t>
-            </a:r>
-            <a:r>
-              <a:rPr lang="en-GB" sz="2000" dirty="0"/>
-              <a:t>in order to make choices that lead you to </a:t>
-            </a:r>
-            <a:r>
-              <a:rPr lang="en-GB" sz="2000" dirty="0" smtClean="0"/>
-              <a:t>maximize collection of positive points and minimize collection of negative points.</a:t>
-            </a:r>
-          </a:p>
-          <a:p>
-            <a:r>
-              <a:rPr lang="en-GB" sz="2000" dirty="0"/>
-              <a:t>To get used to the timing, let’s just practice a few presentations of the point values of each </a:t>
-            </a:r>
-            <a:r>
-              <a:rPr lang="en-GB" sz="2000" dirty="0" smtClean="0"/>
-              <a:t>banknote. Here</a:t>
-            </a:r>
-            <a:r>
-              <a:rPr lang="en-GB" sz="2000" dirty="0"/>
-              <a:t>, you’ll just be presented with the point values of each bank note and then you’ll be asked what one of their point values is.</a:t>
+              <a:t>To get used to the timing, let’s just practice a few presentations of the point values of each banknote. Here, you’ll just be presented with the point values of each bank note and then you’ll be asked what one of their point values is.</a:t>
             </a:r>
           </a:p>
         </p:txBody>
@@ -8713,18 +8359,13 @@
           <a:lstStyle/>
           <a:p>
             <a:r>
-              <a:rPr lang="en-GB" dirty="0" smtClean="0">
+              <a:rPr lang="en-GB" dirty="0">
                 <a:solidFill>
                   <a:srgbClr val="FFFF00"/>
                 </a:solidFill>
               </a:rPr>
               <a:t>72</a:t>
             </a:r>
-            <a:endParaRPr lang="en-GB" dirty="0">
-              <a:solidFill>
-                <a:srgbClr val="FFFF00"/>
-              </a:solidFill>
-            </a:endParaRPr>
           </a:p>
         </p:txBody>
       </p:sp>
@@ -8780,10 +8421,9 @@
           <a:lstStyle/>
           <a:p>
             <a:r>
-              <a:rPr lang="en-GB" sz="1600" dirty="0" smtClean="0"/>
+              <a:rPr lang="en-GB" sz="1600" dirty="0"/>
               <a:t>Hypothetical game :</a:t>
             </a:r>
-            <a:endParaRPr lang="en-GB" sz="1600" dirty="0"/>
           </a:p>
         </p:txBody>
       </p:sp>
@@ -8851,18 +8491,13 @@
           <a:lstStyle/>
           <a:p>
             <a:r>
-              <a:rPr lang="en-GB" dirty="0" smtClean="0">
+              <a:rPr lang="en-GB" dirty="0">
                 <a:solidFill>
                   <a:srgbClr val="FFFF00"/>
                 </a:solidFill>
               </a:rPr>
               <a:t>8</a:t>
             </a:r>
-            <a:endParaRPr lang="en-GB" dirty="0">
-              <a:solidFill>
-                <a:srgbClr val="FFFF00"/>
-              </a:solidFill>
-            </a:endParaRPr>
           </a:p>
         </p:txBody>
       </p:sp>
@@ -8918,7 +8553,7 @@
           <a:lstStyle/>
           <a:p>
             <a:r>
-              <a:rPr lang="en-GB" sz="1200" dirty="0" smtClean="0"/>
+              <a:rPr lang="en-GB" sz="1200" dirty="0"/>
               <a:t>This screen from a hypothetical game shows that for this game, if you PLAY the slot machine, you will either get the SCISSORS banknote and collect 72 points or the GIRL banknote and collect 8 points. If you reject the slot machine, you’ll get the HOUSE banknote and collect 48 points.</a:t>
             </a:r>
           </a:p>
@@ -8988,18 +8623,13 @@
           <a:lstStyle/>
           <a:p>
             <a:r>
-              <a:rPr lang="en-GB" dirty="0" smtClean="0">
+              <a:rPr lang="en-GB" dirty="0">
                 <a:solidFill>
                   <a:srgbClr val="FFFF00"/>
                 </a:solidFill>
               </a:rPr>
               <a:t>48</a:t>
             </a:r>
-            <a:endParaRPr lang="en-GB" dirty="0">
-              <a:solidFill>
-                <a:srgbClr val="FFFF00"/>
-              </a:solidFill>
-            </a:endParaRPr>
           </a:p>
         </p:txBody>
       </p:sp>
@@ -9079,10 +8709,9 @@
           <a:lstStyle/>
           <a:p>
             <a:r>
-              <a:rPr lang="en-GB" dirty="0" smtClean="0"/>
+              <a:rPr lang="en-GB" dirty="0"/>
               <a:t>Practice</a:t>
             </a:r>
-            <a:endParaRPr lang="en-GB" dirty="0"/>
           </a:p>
         </p:txBody>
       </p:sp>
